--- a/OuterData/practice_report.pptx
+++ b/OuterData/practice_report.pptx
@@ -7,10 +7,21 @@
   <p:sldIdLst>
     <p:sldId id="256" r:id="rId2"/>
     <p:sldId id="257" r:id="rId3"/>
-    <p:sldId id="258" r:id="rId4"/>
-    <p:sldId id="259" r:id="rId5"/>
-    <p:sldId id="260" r:id="rId6"/>
-    <p:sldId id="261" r:id="rId7"/>
+    <p:sldId id="260" r:id="rId4"/>
+    <p:sldId id="258" r:id="rId5"/>
+    <p:sldId id="262" r:id="rId6"/>
+    <p:sldId id="266" r:id="rId7"/>
+    <p:sldId id="269" r:id="rId8"/>
+    <p:sldId id="264" r:id="rId9"/>
+    <p:sldId id="265" r:id="rId10"/>
+    <p:sldId id="267" r:id="rId11"/>
+    <p:sldId id="268" r:id="rId12"/>
+    <p:sldId id="263" r:id="rId13"/>
+    <p:sldId id="270" r:id="rId14"/>
+    <p:sldId id="271" r:id="rId15"/>
+    <p:sldId id="272" r:id="rId16"/>
+    <p:sldId id="259" r:id="rId17"/>
+    <p:sldId id="261" r:id="rId18"/>
   </p:sldIdLst>
   <p:sldSz cx="12192000" cy="6858000"/>
   <p:notesSz cx="6858000" cy="9144000"/>
@@ -264,7 +275,7 @@
           <a:p>
             <a:fld id="{4E89C4CA-45F7-4CD5-A8AD-0DFEE3D04216}" type="datetimeFigureOut">
               <a:rPr lang="ru-RU" smtClean="0"/>
-              <a:t>20.03.2025</a:t>
+              <a:t>21.03.2025</a:t>
             </a:fld>
             <a:endParaRPr lang="ru-RU"/>
           </a:p>
@@ -462,7 +473,7 @@
           <a:p>
             <a:fld id="{4E89C4CA-45F7-4CD5-A8AD-0DFEE3D04216}" type="datetimeFigureOut">
               <a:rPr lang="ru-RU" smtClean="0"/>
-              <a:t>20.03.2025</a:t>
+              <a:t>21.03.2025</a:t>
             </a:fld>
             <a:endParaRPr lang="ru-RU"/>
           </a:p>
@@ -670,7 +681,7 @@
           <a:p>
             <a:fld id="{4E89C4CA-45F7-4CD5-A8AD-0DFEE3D04216}" type="datetimeFigureOut">
               <a:rPr lang="ru-RU" smtClean="0"/>
-              <a:t>20.03.2025</a:t>
+              <a:t>21.03.2025</a:t>
             </a:fld>
             <a:endParaRPr lang="ru-RU"/>
           </a:p>
@@ -868,7 +879,7 @@
           <a:p>
             <a:fld id="{4E89C4CA-45F7-4CD5-A8AD-0DFEE3D04216}" type="datetimeFigureOut">
               <a:rPr lang="ru-RU" smtClean="0"/>
-              <a:t>20.03.2025</a:t>
+              <a:t>21.03.2025</a:t>
             </a:fld>
             <a:endParaRPr lang="ru-RU"/>
           </a:p>
@@ -1143,7 +1154,7 @@
           <a:p>
             <a:fld id="{4E89C4CA-45F7-4CD5-A8AD-0DFEE3D04216}" type="datetimeFigureOut">
               <a:rPr lang="ru-RU" smtClean="0"/>
-              <a:t>20.03.2025</a:t>
+              <a:t>21.03.2025</a:t>
             </a:fld>
             <a:endParaRPr lang="ru-RU"/>
           </a:p>
@@ -1408,7 +1419,7 @@
           <a:p>
             <a:fld id="{4E89C4CA-45F7-4CD5-A8AD-0DFEE3D04216}" type="datetimeFigureOut">
               <a:rPr lang="ru-RU" smtClean="0"/>
-              <a:t>20.03.2025</a:t>
+              <a:t>21.03.2025</a:t>
             </a:fld>
             <a:endParaRPr lang="ru-RU"/>
           </a:p>
@@ -1820,7 +1831,7 @@
           <a:p>
             <a:fld id="{4E89C4CA-45F7-4CD5-A8AD-0DFEE3D04216}" type="datetimeFigureOut">
               <a:rPr lang="ru-RU" smtClean="0"/>
-              <a:t>20.03.2025</a:t>
+              <a:t>21.03.2025</a:t>
             </a:fld>
             <a:endParaRPr lang="ru-RU"/>
           </a:p>
@@ -1961,7 +1972,7 @@
           <a:p>
             <a:fld id="{4E89C4CA-45F7-4CD5-A8AD-0DFEE3D04216}" type="datetimeFigureOut">
               <a:rPr lang="ru-RU" smtClean="0"/>
-              <a:t>20.03.2025</a:t>
+              <a:t>21.03.2025</a:t>
             </a:fld>
             <a:endParaRPr lang="ru-RU"/>
           </a:p>
@@ -2074,7 +2085,7 @@
           <a:p>
             <a:fld id="{4E89C4CA-45F7-4CD5-A8AD-0DFEE3D04216}" type="datetimeFigureOut">
               <a:rPr lang="ru-RU" smtClean="0"/>
-              <a:t>20.03.2025</a:t>
+              <a:t>21.03.2025</a:t>
             </a:fld>
             <a:endParaRPr lang="ru-RU"/>
           </a:p>
@@ -2385,7 +2396,7 @@
           <a:p>
             <a:fld id="{4E89C4CA-45F7-4CD5-A8AD-0DFEE3D04216}" type="datetimeFigureOut">
               <a:rPr lang="ru-RU" smtClean="0"/>
-              <a:t>20.03.2025</a:t>
+              <a:t>21.03.2025</a:t>
             </a:fld>
             <a:endParaRPr lang="ru-RU"/>
           </a:p>
@@ -2673,7 +2684,7 @@
           <a:p>
             <a:fld id="{4E89C4CA-45F7-4CD5-A8AD-0DFEE3D04216}" type="datetimeFigureOut">
               <a:rPr lang="ru-RU" smtClean="0"/>
-              <a:t>20.03.2025</a:t>
+              <a:t>21.03.2025</a:t>
             </a:fld>
             <a:endParaRPr lang="ru-RU"/>
           </a:p>
@@ -2914,7 +2925,7 @@
           <a:p>
             <a:fld id="{4E89C4CA-45F7-4CD5-A8AD-0DFEE3D04216}" type="datetimeFigureOut">
               <a:rPr lang="ru-RU" smtClean="0"/>
-              <a:t>20.03.2025</a:t>
+              <a:t>21.03.2025</a:t>
             </a:fld>
             <a:endParaRPr lang="ru-RU"/>
           </a:p>
@@ -3412,6 +3423,954 @@
 </p:sld>
 </file>
 
+<file path=ppt/slides/slide10.xml><?xml version="1.0" encoding="utf-8"?>
+<p:sld xmlns:a="http://schemas.openxmlformats.org/drawingml/2006/main" xmlns:r="http://schemas.openxmlformats.org/officeDocument/2006/relationships" xmlns:p="http://schemas.openxmlformats.org/presentationml/2006/main">
+  <p:cSld>
+    <p:spTree>
+      <p:nvGrpSpPr>
+        <p:cNvPr id="1" name="">
+          <a:extLst>
+            <a:ext uri="{FF2B5EF4-FFF2-40B4-BE49-F238E27FC236}">
+              <a16:creationId xmlns:a16="http://schemas.microsoft.com/office/drawing/2014/main" id="{5E4AD11D-516E-783A-7117-FA4384F70634}"/>
+            </a:ext>
+          </a:extLst>
+        </p:cNvPr>
+        <p:cNvGrpSpPr/>
+        <p:nvPr/>
+      </p:nvGrpSpPr>
+      <p:grpSpPr>
+        <a:xfrm>
+          <a:off x="0" y="0"/>
+          <a:ext cx="0" cy="0"/>
+          <a:chOff x="0" y="0"/>
+          <a:chExt cx="0" cy="0"/>
+        </a:xfrm>
+      </p:grpSpPr>
+      <p:sp>
+        <p:nvSpPr>
+          <p:cNvPr id="2" name="Заголовок 1">
+            <a:extLst>
+              <a:ext uri="{FF2B5EF4-FFF2-40B4-BE49-F238E27FC236}">
+                <a16:creationId xmlns:a16="http://schemas.microsoft.com/office/drawing/2014/main" id="{CFADC751-1B5B-0CF2-82E4-C869DDAD7E94}"/>
+              </a:ext>
+            </a:extLst>
+          </p:cNvPr>
+          <p:cNvSpPr>
+            <a:spLocks noGrp="1"/>
+          </p:cNvSpPr>
+          <p:nvPr>
+            <p:ph type="title"/>
+          </p:nvPr>
+        </p:nvSpPr>
+        <p:spPr>
+          <a:xfrm>
+            <a:off x="0" y="120683"/>
+            <a:ext cx="12192000" cy="743830"/>
+          </a:xfrm>
+        </p:spPr>
+        <p:txBody>
+          <a:bodyPr>
+            <a:noAutofit/>
+          </a:bodyPr>
+          <a:lstStyle/>
+          <a:p>
+            <a:pPr algn="ctr"/>
+            <a:r>
+              <a:rPr lang="ru-RU" sz="3200" dirty="0"/>
+              <a:t>Декомпозиция </a:t>
+            </a:r>
+            <a:r>
+              <a:rPr lang="en-US" sz="3200" dirty="0"/>
+              <a:t>TO-BE</a:t>
+            </a:r>
+            <a:r>
+              <a:rPr lang="ru-RU" sz="3200" dirty="0"/>
+              <a:t> нулевого уровня</a:t>
+            </a:r>
+          </a:p>
+        </p:txBody>
+      </p:sp>
+      <p:pic>
+        <p:nvPicPr>
+          <p:cNvPr id="5" name="Объект 4">
+            <a:extLst>
+              <a:ext uri="{FF2B5EF4-FFF2-40B4-BE49-F238E27FC236}">
+                <a16:creationId xmlns:a16="http://schemas.microsoft.com/office/drawing/2014/main" id="{53E14647-A541-36E5-A583-9CBCD6CE2AE4}"/>
+              </a:ext>
+            </a:extLst>
+          </p:cNvPr>
+          <p:cNvPicPr>
+            <a:picLocks noGrp="1" noChangeAspect="1"/>
+          </p:cNvPicPr>
+          <p:nvPr>
+            <p:ph idx="1"/>
+          </p:nvPr>
+        </p:nvPicPr>
+        <p:blipFill>
+          <a:blip r:embed="rId2"/>
+          <a:stretch>
+            <a:fillRect/>
+          </a:stretch>
+        </p:blipFill>
+        <p:spPr>
+          <a:xfrm>
+            <a:off x="614362" y="969058"/>
+            <a:ext cx="10963275" cy="5888942"/>
+          </a:xfrm>
+          <a:prstGeom prst="rect">
+            <a:avLst/>
+          </a:prstGeom>
+        </p:spPr>
+      </p:pic>
+    </p:spTree>
+    <p:extLst>
+      <p:ext uri="{BB962C8B-B14F-4D97-AF65-F5344CB8AC3E}">
+        <p14:creationId xmlns:p14="http://schemas.microsoft.com/office/powerpoint/2010/main" val="1615231833"/>
+      </p:ext>
+    </p:extLst>
+  </p:cSld>
+  <p:clrMapOvr>
+    <a:masterClrMapping/>
+  </p:clrMapOvr>
+</p:sld>
+</file>
+
+<file path=ppt/slides/slide11.xml><?xml version="1.0" encoding="utf-8"?>
+<p:sld xmlns:a="http://schemas.openxmlformats.org/drawingml/2006/main" xmlns:r="http://schemas.openxmlformats.org/officeDocument/2006/relationships" xmlns:p="http://schemas.openxmlformats.org/presentationml/2006/main">
+  <p:cSld>
+    <p:spTree>
+      <p:nvGrpSpPr>
+        <p:cNvPr id="1" name="">
+          <a:extLst>
+            <a:ext uri="{FF2B5EF4-FFF2-40B4-BE49-F238E27FC236}">
+              <a16:creationId xmlns:a16="http://schemas.microsoft.com/office/drawing/2014/main" id="{D0269480-32DC-2BE1-02FE-949A6065C7D4}"/>
+            </a:ext>
+          </a:extLst>
+        </p:cNvPr>
+        <p:cNvGrpSpPr/>
+        <p:nvPr/>
+      </p:nvGrpSpPr>
+      <p:grpSpPr>
+        <a:xfrm>
+          <a:off x="0" y="0"/>
+          <a:ext cx="0" cy="0"/>
+          <a:chOff x="0" y="0"/>
+          <a:chExt cx="0" cy="0"/>
+        </a:xfrm>
+      </p:grpSpPr>
+      <p:sp>
+        <p:nvSpPr>
+          <p:cNvPr id="2" name="Заголовок 1">
+            <a:extLst>
+              <a:ext uri="{FF2B5EF4-FFF2-40B4-BE49-F238E27FC236}">
+                <a16:creationId xmlns:a16="http://schemas.microsoft.com/office/drawing/2014/main" id="{E501286D-7321-8030-16CF-68E10813F2A0}"/>
+              </a:ext>
+            </a:extLst>
+          </p:cNvPr>
+          <p:cNvSpPr>
+            <a:spLocks noGrp="1"/>
+          </p:cNvSpPr>
+          <p:nvPr>
+            <p:ph type="title"/>
+          </p:nvPr>
+        </p:nvSpPr>
+        <p:spPr>
+          <a:xfrm>
+            <a:off x="838200" y="-105654"/>
+            <a:ext cx="10515600" cy="743830"/>
+          </a:xfrm>
+        </p:spPr>
+        <p:txBody>
+          <a:bodyPr>
+            <a:normAutofit/>
+          </a:bodyPr>
+          <a:lstStyle/>
+          <a:p>
+            <a:pPr algn="ctr"/>
+            <a:r>
+              <a:rPr lang="ru-RU" sz="3200" dirty="0"/>
+              <a:t>Декомпозиция</a:t>
+            </a:r>
+            <a:r>
+              <a:rPr lang="en-US" sz="3200" dirty="0"/>
+              <a:t> TO-BE </a:t>
+            </a:r>
+            <a:r>
+              <a:rPr lang="ru-RU" sz="3200" dirty="0"/>
+              <a:t>первого уровня</a:t>
+            </a:r>
+          </a:p>
+        </p:txBody>
+      </p:sp>
+      <p:pic>
+        <p:nvPicPr>
+          <p:cNvPr id="6" name="Объект 5">
+            <a:extLst>
+              <a:ext uri="{FF2B5EF4-FFF2-40B4-BE49-F238E27FC236}">
+                <a16:creationId xmlns:a16="http://schemas.microsoft.com/office/drawing/2014/main" id="{2D254F39-6E2B-85BF-9E69-B9DC8A83A010}"/>
+              </a:ext>
+            </a:extLst>
+          </p:cNvPr>
+          <p:cNvPicPr>
+            <a:picLocks noGrp="1" noChangeAspect="1"/>
+          </p:cNvPicPr>
+          <p:nvPr>
+            <p:ph idx="1"/>
+          </p:nvPr>
+        </p:nvPicPr>
+        <p:blipFill>
+          <a:blip r:embed="rId2"/>
+          <a:stretch>
+            <a:fillRect/>
+          </a:stretch>
+        </p:blipFill>
+        <p:spPr>
+          <a:xfrm>
+            <a:off x="466725" y="758540"/>
+            <a:ext cx="11258550" cy="6099460"/>
+          </a:xfrm>
+          <a:prstGeom prst="rect">
+            <a:avLst/>
+          </a:prstGeom>
+        </p:spPr>
+      </p:pic>
+    </p:spTree>
+    <p:extLst>
+      <p:ext uri="{BB962C8B-B14F-4D97-AF65-F5344CB8AC3E}">
+        <p14:creationId xmlns:p14="http://schemas.microsoft.com/office/powerpoint/2010/main" val="3673594672"/>
+      </p:ext>
+    </p:extLst>
+  </p:cSld>
+  <p:clrMapOvr>
+    <a:masterClrMapping/>
+  </p:clrMapOvr>
+</p:sld>
+</file>
+
+<file path=ppt/slides/slide12.xml><?xml version="1.0" encoding="utf-8"?>
+<p:sld xmlns:a="http://schemas.openxmlformats.org/drawingml/2006/main" xmlns:r="http://schemas.openxmlformats.org/officeDocument/2006/relationships" xmlns:p="http://schemas.openxmlformats.org/presentationml/2006/main">
+  <p:cSld>
+    <p:spTree>
+      <p:nvGrpSpPr>
+        <p:cNvPr id="1" name="">
+          <a:extLst>
+            <a:ext uri="{FF2B5EF4-FFF2-40B4-BE49-F238E27FC236}">
+              <a16:creationId xmlns:a16="http://schemas.microsoft.com/office/drawing/2014/main" id="{FB375BE5-7137-37C4-2401-2EF632725369}"/>
+            </a:ext>
+          </a:extLst>
+        </p:cNvPr>
+        <p:cNvGrpSpPr/>
+        <p:nvPr/>
+      </p:nvGrpSpPr>
+      <p:grpSpPr>
+        <a:xfrm>
+          <a:off x="0" y="0"/>
+          <a:ext cx="0" cy="0"/>
+          <a:chOff x="0" y="0"/>
+          <a:chExt cx="0" cy="0"/>
+        </a:xfrm>
+      </p:grpSpPr>
+      <p:sp>
+        <p:nvSpPr>
+          <p:cNvPr id="2" name="Заголовок 1">
+            <a:extLst>
+              <a:ext uri="{FF2B5EF4-FFF2-40B4-BE49-F238E27FC236}">
+                <a16:creationId xmlns:a16="http://schemas.microsoft.com/office/drawing/2014/main" id="{2AFBE3EE-D08D-34F2-9D06-C53259992062}"/>
+              </a:ext>
+            </a:extLst>
+          </p:cNvPr>
+          <p:cNvSpPr>
+            <a:spLocks noGrp="1"/>
+          </p:cNvSpPr>
+          <p:nvPr>
+            <p:ph type="title"/>
+          </p:nvPr>
+        </p:nvSpPr>
+        <p:spPr>
+          <a:xfrm>
+            <a:off x="0" y="-105654"/>
+            <a:ext cx="12192000" cy="743830"/>
+          </a:xfrm>
+        </p:spPr>
+        <p:txBody>
+          <a:bodyPr>
+            <a:noAutofit/>
+          </a:bodyPr>
+          <a:lstStyle/>
+          <a:p>
+            <a:pPr algn="ctr"/>
+            <a:r>
+              <a:rPr lang="ru-RU" sz="2900" dirty="0"/>
+              <a:t>Декомпозиция </a:t>
+            </a:r>
+            <a:r>
+              <a:rPr lang="en-US" sz="2900" dirty="0"/>
+              <a:t>TO-BE</a:t>
+            </a:r>
+            <a:r>
+              <a:rPr lang="ru-RU" sz="2900" dirty="0"/>
+              <a:t> второго уровня - управление поставками товара</a:t>
+            </a:r>
+          </a:p>
+        </p:txBody>
+      </p:sp>
+      <p:pic>
+        <p:nvPicPr>
+          <p:cNvPr id="9" name="Объект 8">
+            <a:extLst>
+              <a:ext uri="{FF2B5EF4-FFF2-40B4-BE49-F238E27FC236}">
+                <a16:creationId xmlns:a16="http://schemas.microsoft.com/office/drawing/2014/main" id="{80D15FAC-FCA2-C202-8111-6DD36004FD51}"/>
+              </a:ext>
+            </a:extLst>
+          </p:cNvPr>
+          <p:cNvPicPr>
+            <a:picLocks noGrp="1" noChangeAspect="1"/>
+          </p:cNvPicPr>
+          <p:nvPr>
+            <p:ph idx="1"/>
+          </p:nvPr>
+        </p:nvPicPr>
+        <p:blipFill>
+          <a:blip r:embed="rId2"/>
+          <a:stretch>
+            <a:fillRect/>
+          </a:stretch>
+        </p:blipFill>
+        <p:spPr>
+          <a:xfrm>
+            <a:off x="290512" y="536967"/>
+            <a:ext cx="11610975" cy="6321033"/>
+          </a:xfrm>
+          <a:prstGeom prst="rect">
+            <a:avLst/>
+          </a:prstGeom>
+        </p:spPr>
+      </p:pic>
+    </p:spTree>
+    <p:extLst>
+      <p:ext uri="{BB962C8B-B14F-4D97-AF65-F5344CB8AC3E}">
+        <p14:creationId xmlns:p14="http://schemas.microsoft.com/office/powerpoint/2010/main" val="3474813537"/>
+      </p:ext>
+    </p:extLst>
+  </p:cSld>
+  <p:clrMapOvr>
+    <a:masterClrMapping/>
+  </p:clrMapOvr>
+</p:sld>
+</file>
+
+<file path=ppt/slides/slide13.xml><?xml version="1.0" encoding="utf-8"?>
+<p:sld xmlns:a="http://schemas.openxmlformats.org/drawingml/2006/main" xmlns:r="http://schemas.openxmlformats.org/officeDocument/2006/relationships" xmlns:p="http://schemas.openxmlformats.org/presentationml/2006/main">
+  <p:cSld>
+    <p:spTree>
+      <p:nvGrpSpPr>
+        <p:cNvPr id="1" name="">
+          <a:extLst>
+            <a:ext uri="{FF2B5EF4-FFF2-40B4-BE49-F238E27FC236}">
+              <a16:creationId xmlns:a16="http://schemas.microsoft.com/office/drawing/2014/main" id="{496C5111-C85A-4484-1912-B6E11A0C46BA}"/>
+            </a:ext>
+          </a:extLst>
+        </p:cNvPr>
+        <p:cNvGrpSpPr/>
+        <p:nvPr/>
+      </p:nvGrpSpPr>
+      <p:grpSpPr>
+        <a:xfrm>
+          <a:off x="0" y="0"/>
+          <a:ext cx="0" cy="0"/>
+          <a:chOff x="0" y="0"/>
+          <a:chExt cx="0" cy="0"/>
+        </a:xfrm>
+      </p:grpSpPr>
+      <p:sp>
+        <p:nvSpPr>
+          <p:cNvPr id="2" name="Заголовок 1">
+            <a:extLst>
+              <a:ext uri="{FF2B5EF4-FFF2-40B4-BE49-F238E27FC236}">
+                <a16:creationId xmlns:a16="http://schemas.microsoft.com/office/drawing/2014/main" id="{2D07D3D8-007A-E553-021A-9D1AED3C9E6C}"/>
+              </a:ext>
+            </a:extLst>
+          </p:cNvPr>
+          <p:cNvSpPr>
+            <a:spLocks noGrp="1"/>
+          </p:cNvSpPr>
+          <p:nvPr>
+            <p:ph type="title"/>
+          </p:nvPr>
+        </p:nvSpPr>
+        <p:spPr>
+          <a:xfrm>
+            <a:off x="0" y="120683"/>
+            <a:ext cx="12192000" cy="743830"/>
+          </a:xfrm>
+        </p:spPr>
+        <p:txBody>
+          <a:bodyPr>
+            <a:noAutofit/>
+          </a:bodyPr>
+          <a:lstStyle/>
+          <a:p>
+            <a:pPr algn="ctr"/>
+            <a:r>
+              <a:rPr lang="ru-RU" sz="3200" dirty="0"/>
+              <a:t>Декомпозиция </a:t>
+            </a:r>
+            <a:r>
+              <a:rPr lang="en-US" sz="3200" dirty="0"/>
+              <a:t>TO-BE</a:t>
+            </a:r>
+            <a:r>
+              <a:rPr lang="ru-RU" sz="3200" dirty="0"/>
+              <a:t> второго уровня - добавление приобретаемых клиентом товаров в специальный список</a:t>
+            </a:r>
+          </a:p>
+        </p:txBody>
+      </p:sp>
+      <p:pic>
+        <p:nvPicPr>
+          <p:cNvPr id="6" name="Объект 5">
+            <a:extLst>
+              <a:ext uri="{FF2B5EF4-FFF2-40B4-BE49-F238E27FC236}">
+                <a16:creationId xmlns:a16="http://schemas.microsoft.com/office/drawing/2014/main" id="{6BE56317-4D38-ED6B-B358-223418086E91}"/>
+              </a:ext>
+            </a:extLst>
+          </p:cNvPr>
+          <p:cNvPicPr>
+            <a:picLocks noGrp="1" noChangeAspect="1"/>
+          </p:cNvPicPr>
+          <p:nvPr>
+            <p:ph idx="1"/>
+          </p:nvPr>
+        </p:nvPicPr>
+        <p:blipFill>
+          <a:blip r:embed="rId2"/>
+          <a:stretch>
+            <a:fillRect/>
+          </a:stretch>
+        </p:blipFill>
+        <p:spPr>
+          <a:xfrm>
+            <a:off x="867017" y="1104900"/>
+            <a:ext cx="10457965" cy="5753100"/>
+          </a:xfrm>
+          <a:prstGeom prst="rect">
+            <a:avLst/>
+          </a:prstGeom>
+        </p:spPr>
+      </p:pic>
+    </p:spTree>
+    <p:extLst>
+      <p:ext uri="{BB962C8B-B14F-4D97-AF65-F5344CB8AC3E}">
+        <p14:creationId xmlns:p14="http://schemas.microsoft.com/office/powerpoint/2010/main" val="1904053376"/>
+      </p:ext>
+    </p:extLst>
+  </p:cSld>
+  <p:clrMapOvr>
+    <a:masterClrMapping/>
+  </p:clrMapOvr>
+</p:sld>
+</file>
+
+<file path=ppt/slides/slide14.xml><?xml version="1.0" encoding="utf-8"?>
+<p:sld xmlns:a="http://schemas.openxmlformats.org/drawingml/2006/main" xmlns:r="http://schemas.openxmlformats.org/officeDocument/2006/relationships" xmlns:p="http://schemas.openxmlformats.org/presentationml/2006/main">
+  <p:cSld>
+    <p:spTree>
+      <p:nvGrpSpPr>
+        <p:cNvPr id="1" name="">
+          <a:extLst>
+            <a:ext uri="{FF2B5EF4-FFF2-40B4-BE49-F238E27FC236}">
+              <a16:creationId xmlns:a16="http://schemas.microsoft.com/office/drawing/2014/main" id="{BB92A698-3017-705C-A3A5-7942D97F6EF5}"/>
+            </a:ext>
+          </a:extLst>
+        </p:cNvPr>
+        <p:cNvGrpSpPr/>
+        <p:nvPr/>
+      </p:nvGrpSpPr>
+      <p:grpSpPr>
+        <a:xfrm>
+          <a:off x="0" y="0"/>
+          <a:ext cx="0" cy="0"/>
+          <a:chOff x="0" y="0"/>
+          <a:chExt cx="0" cy="0"/>
+        </a:xfrm>
+      </p:grpSpPr>
+      <p:sp>
+        <p:nvSpPr>
+          <p:cNvPr id="2" name="Заголовок 1">
+            <a:extLst>
+              <a:ext uri="{FF2B5EF4-FFF2-40B4-BE49-F238E27FC236}">
+                <a16:creationId xmlns:a16="http://schemas.microsoft.com/office/drawing/2014/main" id="{EF20CB6E-14E0-3B42-CB0F-846F83EFB07B}"/>
+              </a:ext>
+            </a:extLst>
+          </p:cNvPr>
+          <p:cNvSpPr>
+            <a:spLocks noGrp="1"/>
+          </p:cNvSpPr>
+          <p:nvPr>
+            <p:ph type="title"/>
+          </p:nvPr>
+        </p:nvSpPr>
+        <p:spPr>
+          <a:xfrm>
+            <a:off x="0" y="120683"/>
+            <a:ext cx="12192000" cy="743830"/>
+          </a:xfrm>
+        </p:spPr>
+        <p:txBody>
+          <a:bodyPr>
+            <a:noAutofit/>
+          </a:bodyPr>
+          <a:lstStyle/>
+          <a:p>
+            <a:pPr algn="ctr"/>
+            <a:r>
+              <a:rPr lang="ru-RU" sz="3200" dirty="0"/>
+              <a:t>Декомпозиция </a:t>
+            </a:r>
+            <a:r>
+              <a:rPr lang="en-US" sz="3200" dirty="0"/>
+              <a:t>AS-IS</a:t>
+            </a:r>
+            <a:r>
+              <a:rPr lang="ru-RU" sz="3200" dirty="0"/>
+              <a:t> второго уровня - оформление продажи</a:t>
+            </a:r>
+          </a:p>
+        </p:txBody>
+      </p:sp>
+      <p:pic>
+        <p:nvPicPr>
+          <p:cNvPr id="6" name="Объект 5">
+            <a:extLst>
+              <a:ext uri="{FF2B5EF4-FFF2-40B4-BE49-F238E27FC236}">
+                <a16:creationId xmlns:a16="http://schemas.microsoft.com/office/drawing/2014/main" id="{6CF64D3E-C3DE-A8AF-0C52-549AFA68A147}"/>
+              </a:ext>
+            </a:extLst>
+          </p:cNvPr>
+          <p:cNvPicPr>
+            <a:picLocks noGrp="1" noChangeAspect="1"/>
+          </p:cNvPicPr>
+          <p:nvPr>
+            <p:ph idx="1"/>
+          </p:nvPr>
+        </p:nvPicPr>
+        <p:blipFill>
+          <a:blip r:embed="rId2"/>
+          <a:stretch>
+            <a:fillRect/>
+          </a:stretch>
+        </p:blipFill>
+        <p:spPr>
+          <a:xfrm>
+            <a:off x="402710" y="709420"/>
+            <a:ext cx="11386579" cy="6148580"/>
+          </a:xfrm>
+          <a:prstGeom prst="rect">
+            <a:avLst/>
+          </a:prstGeom>
+        </p:spPr>
+      </p:pic>
+    </p:spTree>
+    <p:extLst>
+      <p:ext uri="{BB962C8B-B14F-4D97-AF65-F5344CB8AC3E}">
+        <p14:creationId xmlns:p14="http://schemas.microsoft.com/office/powerpoint/2010/main" val="1376411627"/>
+      </p:ext>
+    </p:extLst>
+  </p:cSld>
+  <p:clrMapOvr>
+    <a:masterClrMapping/>
+  </p:clrMapOvr>
+</p:sld>
+</file>
+
+<file path=ppt/slides/slide15.xml><?xml version="1.0" encoding="utf-8"?>
+<p:sld xmlns:a="http://schemas.openxmlformats.org/drawingml/2006/main" xmlns:r="http://schemas.openxmlformats.org/officeDocument/2006/relationships" xmlns:p="http://schemas.openxmlformats.org/presentationml/2006/main">
+  <p:cSld>
+    <p:spTree>
+      <p:nvGrpSpPr>
+        <p:cNvPr id="1" name="">
+          <a:extLst>
+            <a:ext uri="{FF2B5EF4-FFF2-40B4-BE49-F238E27FC236}">
+              <a16:creationId xmlns:a16="http://schemas.microsoft.com/office/drawing/2014/main" id="{E6FEA28C-C874-B1BE-B337-BFC30B22B645}"/>
+            </a:ext>
+          </a:extLst>
+        </p:cNvPr>
+        <p:cNvGrpSpPr/>
+        <p:nvPr/>
+      </p:nvGrpSpPr>
+      <p:grpSpPr>
+        <a:xfrm>
+          <a:off x="0" y="0"/>
+          <a:ext cx="0" cy="0"/>
+          <a:chOff x="0" y="0"/>
+          <a:chExt cx="0" cy="0"/>
+        </a:xfrm>
+      </p:grpSpPr>
+      <p:sp>
+        <p:nvSpPr>
+          <p:cNvPr id="2" name="Заголовок 1">
+            <a:extLst>
+              <a:ext uri="{FF2B5EF4-FFF2-40B4-BE49-F238E27FC236}">
+                <a16:creationId xmlns:a16="http://schemas.microsoft.com/office/drawing/2014/main" id="{658E7BB5-B804-EBB1-6464-4A87E2527297}"/>
+              </a:ext>
+            </a:extLst>
+          </p:cNvPr>
+          <p:cNvSpPr>
+            <a:spLocks noGrp="1"/>
+          </p:cNvSpPr>
+          <p:nvPr>
+            <p:ph type="title"/>
+          </p:nvPr>
+        </p:nvSpPr>
+        <p:spPr>
+          <a:xfrm>
+            <a:off x="-257175" y="70345"/>
+            <a:ext cx="3305175" cy="743830"/>
+          </a:xfrm>
+        </p:spPr>
+        <p:txBody>
+          <a:bodyPr>
+            <a:noAutofit/>
+          </a:bodyPr>
+          <a:lstStyle/>
+          <a:p>
+            <a:pPr algn="ctr"/>
+            <a:r>
+              <a:rPr lang="ru-RU" sz="3200" dirty="0"/>
+              <a:t>Коэффициенты</a:t>
+            </a:r>
+          </a:p>
+        </p:txBody>
+      </p:sp>
+      <p:pic>
+        <p:nvPicPr>
+          <p:cNvPr id="7" name="Объект 6">
+            <a:extLst>
+              <a:ext uri="{FF2B5EF4-FFF2-40B4-BE49-F238E27FC236}">
+                <a16:creationId xmlns:a16="http://schemas.microsoft.com/office/drawing/2014/main" id="{CA8808C1-54BE-0133-4440-3F44C09BD902}"/>
+              </a:ext>
+            </a:extLst>
+          </p:cNvPr>
+          <p:cNvPicPr>
+            <a:picLocks noGrp="1" noChangeAspect="1"/>
+          </p:cNvPicPr>
+          <p:nvPr>
+            <p:ph idx="1"/>
+          </p:nvPr>
+        </p:nvPicPr>
+        <p:blipFill>
+          <a:blip r:embed="rId2"/>
+          <a:stretch>
+            <a:fillRect/>
+          </a:stretch>
+        </p:blipFill>
+        <p:spPr>
+          <a:xfrm>
+            <a:off x="3114675" y="0"/>
+            <a:ext cx="9077325" cy="6770440"/>
+          </a:xfrm>
+        </p:spPr>
+      </p:pic>
+    </p:spTree>
+    <p:extLst>
+      <p:ext uri="{BB962C8B-B14F-4D97-AF65-F5344CB8AC3E}">
+        <p14:creationId xmlns:p14="http://schemas.microsoft.com/office/powerpoint/2010/main" val="3230811702"/>
+      </p:ext>
+    </p:extLst>
+  </p:cSld>
+  <p:clrMapOvr>
+    <a:masterClrMapping/>
+  </p:clrMapOvr>
+</p:sld>
+</file>
+
+<file path=ppt/slides/slide16.xml><?xml version="1.0" encoding="utf-8"?>
+<p:sld xmlns:a="http://schemas.openxmlformats.org/drawingml/2006/main" xmlns:r="http://schemas.openxmlformats.org/officeDocument/2006/relationships" xmlns:p="http://schemas.openxmlformats.org/presentationml/2006/main">
+  <p:cSld>
+    <p:spTree>
+      <p:nvGrpSpPr>
+        <p:cNvPr id="1" name="">
+          <a:extLst>
+            <a:ext uri="{FF2B5EF4-FFF2-40B4-BE49-F238E27FC236}">
+              <a16:creationId xmlns:a16="http://schemas.microsoft.com/office/drawing/2014/main" id="{89BE5191-E5F2-5816-5A9F-1806D9DF1D70}"/>
+            </a:ext>
+          </a:extLst>
+        </p:cNvPr>
+        <p:cNvGrpSpPr/>
+        <p:nvPr/>
+      </p:nvGrpSpPr>
+      <p:grpSpPr>
+        <a:xfrm>
+          <a:off x="0" y="0"/>
+          <a:ext cx="0" cy="0"/>
+          <a:chOff x="0" y="0"/>
+          <a:chExt cx="0" cy="0"/>
+        </a:xfrm>
+      </p:grpSpPr>
+      <p:sp>
+        <p:nvSpPr>
+          <p:cNvPr id="2" name="Заголовок 1">
+            <a:extLst>
+              <a:ext uri="{FF2B5EF4-FFF2-40B4-BE49-F238E27FC236}">
+                <a16:creationId xmlns:a16="http://schemas.microsoft.com/office/drawing/2014/main" id="{53E6D9DB-5115-7750-6E60-566C05417BCA}"/>
+              </a:ext>
+            </a:extLst>
+          </p:cNvPr>
+          <p:cNvSpPr>
+            <a:spLocks noGrp="1"/>
+          </p:cNvSpPr>
+          <p:nvPr>
+            <p:ph type="title"/>
+          </p:nvPr>
+        </p:nvSpPr>
+        <p:spPr>
+          <a:xfrm>
+            <a:off x="838200" y="-105655"/>
+            <a:ext cx="10515600" cy="1325563"/>
+          </a:xfrm>
+        </p:spPr>
+        <p:txBody>
+          <a:bodyPr/>
+          <a:lstStyle/>
+          <a:p>
+            <a:pPr algn="ctr"/>
+            <a:r>
+              <a:rPr lang="ru-RU" dirty="0"/>
+              <a:t>Дополнительные преимущества</a:t>
+            </a:r>
+          </a:p>
+        </p:txBody>
+      </p:sp>
+      <p:sp>
+        <p:nvSpPr>
+          <p:cNvPr id="3" name="Объект 2">
+            <a:extLst>
+              <a:ext uri="{FF2B5EF4-FFF2-40B4-BE49-F238E27FC236}">
+                <a16:creationId xmlns:a16="http://schemas.microsoft.com/office/drawing/2014/main" id="{0C628E32-C04E-8AF6-CEFC-1185BD294F1E}"/>
+              </a:ext>
+            </a:extLst>
+          </p:cNvPr>
+          <p:cNvSpPr>
+            <a:spLocks noGrp="1"/>
+          </p:cNvSpPr>
+          <p:nvPr>
+            <p:ph idx="1"/>
+          </p:nvPr>
+        </p:nvSpPr>
+        <p:spPr>
+          <a:xfrm>
+            <a:off x="838200" y="1054154"/>
+            <a:ext cx="10515600" cy="5038827"/>
+          </a:xfrm>
+        </p:spPr>
+        <p:txBody>
+          <a:bodyPr>
+            <a:noAutofit/>
+          </a:bodyPr>
+          <a:lstStyle/>
+          <a:p>
+            <a:pPr marL="0" indent="0">
+              <a:buNone/>
+            </a:pPr>
+            <a:r>
+              <a:rPr lang="ru-RU" sz="2400" dirty="0">
+                <a:latin typeface="Calibri" panose="020F0502020204030204" pitchFamily="34" charset="0"/>
+                <a:cs typeface="Calibri" panose="020F0502020204030204" pitchFamily="34" charset="0"/>
+              </a:rPr>
+              <a:t>Доступность товаров онлайн через API</a:t>
+            </a:r>
+          </a:p>
+          <a:p>
+            <a:r>
+              <a:rPr lang="ru-RU" sz="2400" dirty="0">
+                <a:latin typeface="Calibri" panose="020F0502020204030204" pitchFamily="34" charset="0"/>
+                <a:cs typeface="Calibri" panose="020F0502020204030204" pitchFamily="34" charset="0"/>
+              </a:rPr>
+              <a:t>Интеграция с сайтом: использование API для публикации информации о товарах на сайте магазина позволяет покупателям проверять наличие товаров удалённо.</a:t>
+            </a:r>
+          </a:p>
+          <a:p>
+            <a:r>
+              <a:rPr lang="ru-RU" sz="2400" dirty="0">
+                <a:latin typeface="Calibri" panose="020F0502020204030204" pitchFamily="34" charset="0"/>
+                <a:cs typeface="Calibri" panose="020F0502020204030204" pitchFamily="34" charset="0"/>
+              </a:rPr>
+              <a:t>Удобство для клиентов: возможность заранее узнать, есть ли нужный товар в магазине, повышает уровень доверия и сокращает ненужные визиты.</a:t>
+            </a:r>
+          </a:p>
+          <a:p>
+            <a:pPr marL="0" indent="0">
+              <a:buNone/>
+            </a:pPr>
+            <a:r>
+              <a:rPr lang="ru-RU" sz="2400" dirty="0">
+                <a:latin typeface="Calibri" panose="020F0502020204030204" pitchFamily="34" charset="0"/>
+                <a:cs typeface="Calibri" panose="020F0502020204030204" pitchFamily="34" charset="0"/>
+              </a:rPr>
+              <a:t>Детализированные автоматические отчёты</a:t>
+            </a:r>
+          </a:p>
+          <a:p>
+            <a:r>
+              <a:rPr lang="ru-RU" sz="2400" dirty="0">
+                <a:latin typeface="Calibri" panose="020F0502020204030204" pitchFamily="34" charset="0"/>
+                <a:cs typeface="Calibri" panose="020F0502020204030204" pitchFamily="34" charset="0"/>
+              </a:rPr>
+              <a:t>Гибкость анализа: благодаря автоматической генерации отчётов руководство получает более полную картину продаж, запасов и других показателей.</a:t>
+            </a:r>
+          </a:p>
+          <a:p>
+            <a:r>
+              <a:rPr lang="ru-RU" sz="2400" dirty="0">
+                <a:latin typeface="Calibri" panose="020F0502020204030204" pitchFamily="34" charset="0"/>
+                <a:cs typeface="Calibri" panose="020F0502020204030204" pitchFamily="34" charset="0"/>
+              </a:rPr>
+              <a:t>Оптимизация закупок: анализ данных позволяет точнее прогнозировать потребности в товарах и избегать излишков или дефицита.</a:t>
+            </a:r>
+          </a:p>
+          <a:p>
+            <a:pPr marL="0" indent="0">
+              <a:buNone/>
+            </a:pPr>
+            <a:r>
+              <a:rPr lang="ru-RU" sz="2400" dirty="0">
+                <a:latin typeface="Calibri" panose="020F0502020204030204" pitchFamily="34" charset="0"/>
+                <a:cs typeface="Calibri" panose="020F0502020204030204" pitchFamily="34" charset="0"/>
+              </a:rPr>
+              <a:t>Освобождение времени сотрудников для стратегической работы.</a:t>
+            </a:r>
+          </a:p>
+        </p:txBody>
+      </p:sp>
+    </p:spTree>
+    <p:extLst>
+      <p:ext uri="{BB962C8B-B14F-4D97-AF65-F5344CB8AC3E}">
+        <p14:creationId xmlns:p14="http://schemas.microsoft.com/office/powerpoint/2010/main" val="3026149793"/>
+      </p:ext>
+    </p:extLst>
+  </p:cSld>
+  <p:clrMapOvr>
+    <a:masterClrMapping/>
+  </p:clrMapOvr>
+</p:sld>
+</file>
+
+<file path=ppt/slides/slide17.xml><?xml version="1.0" encoding="utf-8"?>
+<p:sld xmlns:a="http://schemas.openxmlformats.org/drawingml/2006/main" xmlns:r="http://schemas.openxmlformats.org/officeDocument/2006/relationships" xmlns:p="http://schemas.openxmlformats.org/presentationml/2006/main">
+  <p:cSld>
+    <p:spTree>
+      <p:nvGrpSpPr>
+        <p:cNvPr id="1" name="">
+          <a:extLst>
+            <a:ext uri="{FF2B5EF4-FFF2-40B4-BE49-F238E27FC236}">
+              <a16:creationId xmlns:a16="http://schemas.microsoft.com/office/drawing/2014/main" id="{6C53002D-6569-152A-9FCE-8C6906E79AF9}"/>
+            </a:ext>
+          </a:extLst>
+        </p:cNvPr>
+        <p:cNvGrpSpPr/>
+        <p:nvPr/>
+      </p:nvGrpSpPr>
+      <p:grpSpPr>
+        <a:xfrm>
+          <a:off x="0" y="0"/>
+          <a:ext cx="0" cy="0"/>
+          <a:chOff x="0" y="0"/>
+          <a:chExt cx="0" cy="0"/>
+        </a:xfrm>
+      </p:grpSpPr>
+      <p:sp>
+        <p:nvSpPr>
+          <p:cNvPr id="2" name="Заголовок 1">
+            <a:extLst>
+              <a:ext uri="{FF2B5EF4-FFF2-40B4-BE49-F238E27FC236}">
+                <a16:creationId xmlns:a16="http://schemas.microsoft.com/office/drawing/2014/main" id="{C226A988-B10A-F5BE-2DE3-8512AA9F8A22}"/>
+              </a:ext>
+            </a:extLst>
+          </p:cNvPr>
+          <p:cNvSpPr>
+            <a:spLocks noGrp="1"/>
+          </p:cNvSpPr>
+          <p:nvPr>
+            <p:ph type="title"/>
+          </p:nvPr>
+        </p:nvSpPr>
+        <p:spPr>
+          <a:xfrm>
+            <a:off x="838200" y="-105655"/>
+            <a:ext cx="10515600" cy="1325563"/>
+          </a:xfrm>
+        </p:spPr>
+        <p:txBody>
+          <a:bodyPr/>
+          <a:lstStyle/>
+          <a:p>
+            <a:pPr marL="0" indent="0" algn="ctr">
+              <a:buNone/>
+            </a:pPr>
+            <a:r>
+              <a:rPr lang="ru-RU" sz="4400" dirty="0">
+                <a:latin typeface="Calibri" panose="020F0502020204030204" pitchFamily="34" charset="0"/>
+                <a:cs typeface="Calibri" panose="020F0502020204030204" pitchFamily="34" charset="0"/>
+              </a:rPr>
+              <a:t>Вывод</a:t>
+            </a:r>
+          </a:p>
+        </p:txBody>
+      </p:sp>
+      <p:sp>
+        <p:nvSpPr>
+          <p:cNvPr id="3" name="Объект 2">
+            <a:extLst>
+              <a:ext uri="{FF2B5EF4-FFF2-40B4-BE49-F238E27FC236}">
+                <a16:creationId xmlns:a16="http://schemas.microsoft.com/office/drawing/2014/main" id="{4381F85E-290C-A1D1-3566-97459BA2B4DD}"/>
+              </a:ext>
+            </a:extLst>
+          </p:cNvPr>
+          <p:cNvSpPr>
+            <a:spLocks noGrp="1"/>
+          </p:cNvSpPr>
+          <p:nvPr>
+            <p:ph idx="1"/>
+          </p:nvPr>
+        </p:nvSpPr>
+        <p:spPr>
+          <a:xfrm>
+            <a:off x="838200" y="1466660"/>
+            <a:ext cx="10515600" cy="4934139"/>
+          </a:xfrm>
+        </p:spPr>
+        <p:txBody>
+          <a:bodyPr>
+            <a:noAutofit/>
+          </a:bodyPr>
+          <a:lstStyle/>
+          <a:p>
+            <a:pPr marL="0" indent="0">
+              <a:buNone/>
+            </a:pPr>
+            <a:r>
+              <a:rPr lang="ru-RU" sz="2400" dirty="0">
+                <a:latin typeface="Calibri" panose="020F0502020204030204" pitchFamily="34" charset="0"/>
+                <a:cs typeface="Calibri" panose="020F0502020204030204" pitchFamily="34" charset="0"/>
+              </a:rPr>
+              <a:t>Даже при отсутствии прямой прибыли внедрение ИС приносит организационные улучшения. Внедрение ИС целесообразно как с точки зрения краткосрочной экономии, так и для долгосрочного роста эффективности бизнеса.</a:t>
+            </a:r>
+          </a:p>
+        </p:txBody>
+      </p:sp>
+    </p:spTree>
+    <p:extLst>
+      <p:ext uri="{BB962C8B-B14F-4D97-AF65-F5344CB8AC3E}">
+        <p14:creationId xmlns:p14="http://schemas.microsoft.com/office/powerpoint/2010/main" val="2636440411"/>
+      </p:ext>
+    </p:extLst>
+  </p:cSld>
+  <p:clrMapOvr>
+    <a:masterClrMapping/>
+  </p:clrMapOvr>
+</p:sld>
+</file>
+
 <file path=ppt/slides/slide2.xml><?xml version="1.0" encoding="utf-8"?>
 <p:sld xmlns:a="http://schemas.openxmlformats.org/drawingml/2006/main" xmlns:r="http://schemas.openxmlformats.org/officeDocument/2006/relationships" xmlns:p="http://schemas.openxmlformats.org/presentationml/2006/main">
   <p:cSld>
@@ -3463,8 +4422,8 @@
           </a:p>
         </p:txBody>
       </p:sp>
-      <mc:AlternateContent xmlns:mc="http://schemas.openxmlformats.org/markup-compatibility/2006">
-        <mc:Choice xmlns:a14="http://schemas.microsoft.com/office/drawing/2010/main" Requires="a14">
+      <mc:AlternateContent xmlns:mc="http://schemas.openxmlformats.org/markup-compatibility/2006" xmlns:a14="http://schemas.microsoft.com/office/drawing/2010/main">
+        <mc:Choice Requires="a14">
           <p:sp>
             <p:nvSpPr>
               <p:cNvPr id="3" name="Объект 2">
@@ -3758,7 +4717,7 @@
             </p:txBody>
           </p:sp>
         </mc:Choice>
-        <mc:Fallback>
+        <mc:Fallback xmlns="">
           <p:sp>
             <p:nvSpPr>
               <p:cNvPr id="3" name="Объект 2">
@@ -3853,7 +4812,7 @@
         <p:cNvPr id="1" name="">
           <a:extLst>
             <a:ext uri="{FF2B5EF4-FFF2-40B4-BE49-F238E27FC236}">
-              <a16:creationId xmlns:a16="http://schemas.microsoft.com/office/drawing/2014/main" id="{6281F17F-96F4-E67A-2147-CA78AA38B882}"/>
+              <a16:creationId xmlns:a16="http://schemas.microsoft.com/office/drawing/2014/main" id="{5597C2A5-99A0-E2B6-D56C-A18E2B65BF2D}"/>
             </a:ext>
           </a:extLst>
         </p:cNvPr>
@@ -3873,7 +4832,7 @@
           <p:cNvPr id="2" name="Заголовок 1">
             <a:extLst>
               <a:ext uri="{FF2B5EF4-FFF2-40B4-BE49-F238E27FC236}">
-                <a16:creationId xmlns:a16="http://schemas.microsoft.com/office/drawing/2014/main" id="{DC07A972-10A5-ADB2-8627-0407DD1506C3}"/>
+                <a16:creationId xmlns:a16="http://schemas.microsoft.com/office/drawing/2014/main" id="{CEC0465B-0B81-B8F7-5785-BA2C3CA2FAB4}"/>
               </a:ext>
             </a:extLst>
           </p:cNvPr>
@@ -3894,11 +4853,13 @@
           <a:bodyPr/>
           <a:lstStyle/>
           <a:p>
-            <a:pPr algn="ctr"/>
-            <a:r>
-              <a:rPr lang="ru-RU" dirty="0"/>
-              <a:t>Косвенные экономические эффекты</a:t>
-            </a:r>
+            <a:pPr marL="0" indent="0" algn="ctr">
+              <a:buNone/>
+            </a:pPr>
+            <a:endParaRPr lang="ru-RU" sz="4400" dirty="0">
+              <a:latin typeface="Calibri" panose="020F0502020204030204" pitchFamily="34" charset="0"/>
+              <a:cs typeface="Calibri" panose="020F0502020204030204" pitchFamily="34" charset="0"/>
+            </a:endParaRPr>
           </a:p>
         </p:txBody>
       </p:sp>
@@ -3907,7 +4868,7 @@
           <p:cNvPr id="3" name="Объект 2">
             <a:extLst>
               <a:ext uri="{FF2B5EF4-FFF2-40B4-BE49-F238E27FC236}">
-                <a16:creationId xmlns:a16="http://schemas.microsoft.com/office/drawing/2014/main" id="{97647B25-F4CE-546D-2A22-4E1E7D86C339}"/>
+                <a16:creationId xmlns:a16="http://schemas.microsoft.com/office/drawing/2014/main" id="{E8101D5D-70E8-0A40-050A-712A9B073454}"/>
               </a:ext>
             </a:extLst>
           </p:cNvPr>
@@ -3920,8 +4881,8 @@
         </p:nvSpPr>
         <p:spPr>
           <a:xfrm>
-            <a:off x="611864" y="1054154"/>
-            <a:ext cx="10515600" cy="5038827"/>
+            <a:off x="838200" y="1054154"/>
+            <a:ext cx="10515600" cy="5346646"/>
           </a:xfrm>
         </p:spPr>
         <p:txBody>
@@ -3938,7 +4899,7 @@
                 <a:latin typeface="Calibri" panose="020F0502020204030204" pitchFamily="34" charset="0"/>
                 <a:cs typeface="Calibri" panose="020F0502020204030204" pitchFamily="34" charset="0"/>
               </a:rPr>
-              <a:t>Улучшение покупательского опыта</a:t>
+              <a:t> Цели внедрения ИС:</a:t>
             </a:r>
           </a:p>
           <a:p>
@@ -3947,7 +4908,7 @@
                 <a:latin typeface="Calibri" panose="020F0502020204030204" pitchFamily="34" charset="0"/>
                 <a:cs typeface="Calibri" panose="020F0502020204030204" pitchFamily="34" charset="0"/>
               </a:rPr>
-              <a:t>Быстрее обслуживание: клиенты ценят скорость. Если время сервис улучшается с 5 до 3 минут, это увеличивает удовлетворённость и лояльность.</a:t>
+              <a:t>ускорение обработки запросов,</a:t>
             </a:r>
           </a:p>
           <a:p>
@@ -3956,19 +4917,16 @@
                 <a:latin typeface="Calibri" panose="020F0502020204030204" pitchFamily="34" charset="0"/>
                 <a:cs typeface="Calibri" panose="020F0502020204030204" pitchFamily="34" charset="0"/>
               </a:rPr>
-              <a:t>Более качественное обслуживание: система позволяет мгновенно получать точную информацию о наличии товаров, что уменьшает риск ошибок и улучшает восприятие сервиса.</a:t>
-            </a:r>
-          </a:p>
-          <a:p>
-            <a:pPr marL="0" indent="0">
-              <a:buNone/>
-            </a:pPr>
+              <a:t>минимизация ошибок,</a:t>
+            </a:r>
+          </a:p>
+          <a:p>
             <a:r>
               <a:rPr lang="ru-RU" sz="2400" dirty="0">
                 <a:latin typeface="Calibri" panose="020F0502020204030204" pitchFamily="34" charset="0"/>
                 <a:cs typeface="Calibri" panose="020F0502020204030204" pitchFamily="34" charset="0"/>
               </a:rPr>
-              <a:t>Увеличение конкурентоспособности</a:t>
+              <a:t>удобство работы с товаром,</a:t>
             </a:r>
           </a:p>
           <a:p>
@@ -3977,7 +4935,7 @@
                 <a:latin typeface="Calibri" panose="020F0502020204030204" pitchFamily="34" charset="0"/>
                 <a:cs typeface="Calibri" panose="020F0502020204030204" pitchFamily="34" charset="0"/>
               </a:rPr>
-              <a:t>Уменьшение очередей: многие клиенты не хотят тратить время на ожидание. Быстрое обслуживание помогает удержать тех, кто иначе мог бы уйти к конкурентам.</a:t>
+              <a:t>мгновенное отображение информации,</a:t>
             </a:r>
           </a:p>
           <a:p>
@@ -3986,7 +4944,28 @@
                 <a:latin typeface="Calibri" panose="020F0502020204030204" pitchFamily="34" charset="0"/>
                 <a:cs typeface="Calibri" panose="020F0502020204030204" pitchFamily="34" charset="0"/>
               </a:rPr>
-              <a:t>Привлечение новых клиентов: быстрота и удобство привлекают тех, кто предпочитает магазины с высоким уровнем сервиса.</a:t>
+              <a:t>автоматическая отчётность.</a:t>
+            </a:r>
+          </a:p>
+          <a:p>
+            <a:pPr marL="0" indent="0">
+              <a:buNone/>
+            </a:pPr>
+            <a:endParaRPr lang="ru-RU" sz="2400" dirty="0">
+              <a:latin typeface="Calibri" panose="020F0502020204030204" pitchFamily="34" charset="0"/>
+              <a:cs typeface="Calibri" panose="020F0502020204030204" pitchFamily="34" charset="0"/>
+            </a:endParaRPr>
+          </a:p>
+          <a:p>
+            <a:pPr marL="0" indent="0">
+              <a:buNone/>
+            </a:pPr>
+            <a:r>
+              <a:rPr lang="ru-RU" sz="2400" dirty="0">
+                <a:latin typeface="Calibri" panose="020F0502020204030204" pitchFamily="34" charset="0"/>
+                <a:cs typeface="Calibri" panose="020F0502020204030204" pitchFamily="34" charset="0"/>
+              </a:rPr>
+              <a:t>Экономический эффект автоматизации зависит от текущего объёма операций. Наибольший выигрыш достигается в точках с высокой нагрузкой.</a:t>
             </a:r>
           </a:p>
         </p:txBody>
@@ -3994,7 +4973,7 @@
     </p:spTree>
     <p:extLst>
       <p:ext uri="{BB962C8B-B14F-4D97-AF65-F5344CB8AC3E}">
-        <p14:creationId xmlns:p14="http://schemas.microsoft.com/office/powerpoint/2010/main" val="1886529276"/>
+        <p14:creationId xmlns:p14="http://schemas.microsoft.com/office/powerpoint/2010/main" val="1089402702"/>
       </p:ext>
     </p:extLst>
   </p:cSld>
@@ -4012,7 +4991,7 @@
         <p:cNvPr id="1" name="">
           <a:extLst>
             <a:ext uri="{FF2B5EF4-FFF2-40B4-BE49-F238E27FC236}">
-              <a16:creationId xmlns:a16="http://schemas.microsoft.com/office/drawing/2014/main" id="{89BE5191-E5F2-5816-5A9F-1806D9DF1D70}"/>
+              <a16:creationId xmlns:a16="http://schemas.microsoft.com/office/drawing/2014/main" id="{6281F17F-96F4-E67A-2147-CA78AA38B882}"/>
             </a:ext>
           </a:extLst>
         </p:cNvPr>
@@ -4032,7 +5011,7 @@
           <p:cNvPr id="2" name="Заголовок 1">
             <a:extLst>
               <a:ext uri="{FF2B5EF4-FFF2-40B4-BE49-F238E27FC236}">
-                <a16:creationId xmlns:a16="http://schemas.microsoft.com/office/drawing/2014/main" id="{53E6D9DB-5115-7750-6E60-566C05417BCA}"/>
+                <a16:creationId xmlns:a16="http://schemas.microsoft.com/office/drawing/2014/main" id="{DC07A972-10A5-ADB2-8627-0407DD1506C3}"/>
               </a:ext>
             </a:extLst>
           </p:cNvPr>
@@ -4056,7 +5035,7 @@
             <a:pPr algn="ctr"/>
             <a:r>
               <a:rPr lang="ru-RU" dirty="0"/>
-              <a:t>Дополнительные преимущества</a:t>
+              <a:t>Косвенные экономические эффекты</a:t>
             </a:r>
           </a:p>
         </p:txBody>
@@ -4066,7 +5045,7 @@
           <p:cNvPr id="3" name="Объект 2">
             <a:extLst>
               <a:ext uri="{FF2B5EF4-FFF2-40B4-BE49-F238E27FC236}">
-                <a16:creationId xmlns:a16="http://schemas.microsoft.com/office/drawing/2014/main" id="{0C628E32-C04E-8AF6-CEFC-1185BD294F1E}"/>
+                <a16:creationId xmlns:a16="http://schemas.microsoft.com/office/drawing/2014/main" id="{97647B25-F4CE-546D-2A22-4E1E7D86C339}"/>
               </a:ext>
             </a:extLst>
           </p:cNvPr>
@@ -4079,7 +5058,7 @@
         </p:nvSpPr>
         <p:spPr>
           <a:xfrm>
-            <a:off x="838200" y="1054154"/>
+            <a:off x="611864" y="1054154"/>
             <a:ext cx="10515600" cy="5038827"/>
           </a:xfrm>
         </p:spPr>
@@ -4097,7 +5076,7 @@
                 <a:latin typeface="Calibri" panose="020F0502020204030204" pitchFamily="34" charset="0"/>
                 <a:cs typeface="Calibri" panose="020F0502020204030204" pitchFamily="34" charset="0"/>
               </a:rPr>
-              <a:t>Доступность товаров онлайн через API</a:t>
+              <a:t>Улучшение покупательского опыта</a:t>
             </a:r>
           </a:p>
           <a:p>
@@ -4106,7 +5085,7 @@
                 <a:latin typeface="Calibri" panose="020F0502020204030204" pitchFamily="34" charset="0"/>
                 <a:cs typeface="Calibri" panose="020F0502020204030204" pitchFamily="34" charset="0"/>
               </a:rPr>
-              <a:t>Интеграция с сайтом: использование API для публикации информации о товарах на сайте магазина позволяет покупателям проверять наличие товаров удалённо.</a:t>
+              <a:t>Быстрее обслуживание: клиенты ценят скорость. Если время сервис улучшается с 5 до 3 минут, это увеличивает удовлетворённость и лояльность.</a:t>
             </a:r>
           </a:p>
           <a:p>
@@ -4115,7 +5094,7 @@
                 <a:latin typeface="Calibri" panose="020F0502020204030204" pitchFamily="34" charset="0"/>
                 <a:cs typeface="Calibri" panose="020F0502020204030204" pitchFamily="34" charset="0"/>
               </a:rPr>
-              <a:t>Удобство для клиентов: возможность заранее узнать, есть ли нужный товар в магазине, повышает уровень доверия и сокращает ненужные визиты.</a:t>
+              <a:t>Более качественное обслуживание: система позволяет мгновенно получать точную информацию о наличии товаров, что уменьшает риск ошибок и улучшает восприятие сервиса.</a:t>
             </a:r>
           </a:p>
           <a:p>
@@ -4127,7 +5106,7 @@
                 <a:latin typeface="Calibri" panose="020F0502020204030204" pitchFamily="34" charset="0"/>
                 <a:cs typeface="Calibri" panose="020F0502020204030204" pitchFamily="34" charset="0"/>
               </a:rPr>
-              <a:t>Детализированные автоматические отчёты</a:t>
+              <a:t>Увеличение конкурентоспособности</a:t>
             </a:r>
           </a:p>
           <a:p>
@@ -4136,7 +5115,7 @@
                 <a:latin typeface="Calibri" panose="020F0502020204030204" pitchFamily="34" charset="0"/>
                 <a:cs typeface="Calibri" panose="020F0502020204030204" pitchFamily="34" charset="0"/>
               </a:rPr>
-              <a:t>Гибкость анализа: благодаря автоматической генерации отчётов руководство получает более полную картину продаж, запасов и других показателей.</a:t>
+              <a:t>Уменьшение очередей: многие клиенты не хотят тратить время на ожидание. Быстрое обслуживание помогает удержать тех, кто иначе мог бы уйти к конкурентам.</a:t>
             </a:r>
           </a:p>
           <a:p>
@@ -4145,19 +5124,7 @@
                 <a:latin typeface="Calibri" panose="020F0502020204030204" pitchFamily="34" charset="0"/>
                 <a:cs typeface="Calibri" panose="020F0502020204030204" pitchFamily="34" charset="0"/>
               </a:rPr>
-              <a:t>Оптимизация закупок: анализ данных позволяет точнее прогнозировать потребности в товарах и избегать излишков или дефицита.</a:t>
-            </a:r>
-          </a:p>
-          <a:p>
-            <a:pPr marL="0" indent="0">
-              <a:buNone/>
-            </a:pPr>
-            <a:r>
-              <a:rPr lang="ru-RU" sz="2400" dirty="0">
-                <a:latin typeface="Calibri" panose="020F0502020204030204" pitchFamily="34" charset="0"/>
-                <a:cs typeface="Calibri" panose="020F0502020204030204" pitchFamily="34" charset="0"/>
-              </a:rPr>
-              <a:t>Освобождение времени сотрудников для стратегической работы.</a:t>
+              <a:t>Привлечение новых клиентов: быстрота и удобство привлекают тех, кто предпочитает магазины с высоким уровнем сервиса.</a:t>
             </a:r>
           </a:p>
         </p:txBody>
@@ -4165,7 +5132,7 @@
     </p:spTree>
     <p:extLst>
       <p:ext uri="{BB962C8B-B14F-4D97-AF65-F5344CB8AC3E}">
-        <p14:creationId xmlns:p14="http://schemas.microsoft.com/office/powerpoint/2010/main" val="3026149793"/>
+        <p14:creationId xmlns:p14="http://schemas.microsoft.com/office/powerpoint/2010/main" val="1886529276"/>
       </p:ext>
     </p:extLst>
   </p:cSld>
@@ -4183,7 +5150,7 @@
         <p:cNvPr id="1" name="">
           <a:extLst>
             <a:ext uri="{FF2B5EF4-FFF2-40B4-BE49-F238E27FC236}">
-              <a16:creationId xmlns:a16="http://schemas.microsoft.com/office/drawing/2014/main" id="{5597C2A5-99A0-E2B6-D56C-A18E2B65BF2D}"/>
+              <a16:creationId xmlns:a16="http://schemas.microsoft.com/office/drawing/2014/main" id="{74354EE5-7C33-4058-02F1-A18E65F2D91D}"/>
             </a:ext>
           </a:extLst>
         </p:cNvPr>
@@ -4203,7 +5170,7 @@
           <p:cNvPr id="2" name="Заголовок 1">
             <a:extLst>
               <a:ext uri="{FF2B5EF4-FFF2-40B4-BE49-F238E27FC236}">
-                <a16:creationId xmlns:a16="http://schemas.microsoft.com/office/drawing/2014/main" id="{CEC0465B-0B81-B8F7-5785-BA2C3CA2FAB4}"/>
+                <a16:creationId xmlns:a16="http://schemas.microsoft.com/office/drawing/2014/main" id="{13C5886F-82C2-7637-9422-342A249AEF45}"/>
               </a:ext>
             </a:extLst>
           </p:cNvPr>
@@ -4216,135 +5183,68 @@
         </p:nvSpPr>
         <p:spPr>
           <a:xfrm>
-            <a:off x="838200" y="-105655"/>
-            <a:ext cx="10515600" cy="1325563"/>
+            <a:off x="838200" y="-105654"/>
+            <a:ext cx="10515600" cy="743830"/>
           </a:xfrm>
         </p:spPr>
         <p:txBody>
-          <a:bodyPr/>
-          <a:lstStyle/>
-          <a:p>
-            <a:pPr marL="0" indent="0" algn="ctr">
-              <a:buNone/>
-            </a:pPr>
-            <a:endParaRPr lang="ru-RU" sz="4400" dirty="0">
-              <a:latin typeface="Calibri" panose="020F0502020204030204" pitchFamily="34" charset="0"/>
-              <a:cs typeface="Calibri" panose="020F0502020204030204" pitchFamily="34" charset="0"/>
-            </a:endParaRPr>
-          </a:p>
-        </p:txBody>
-      </p:sp>
-      <p:sp>
-        <p:nvSpPr>
-          <p:cNvPr id="3" name="Объект 2">
-            <a:extLst>
-              <a:ext uri="{FF2B5EF4-FFF2-40B4-BE49-F238E27FC236}">
-                <a16:creationId xmlns:a16="http://schemas.microsoft.com/office/drawing/2014/main" id="{E8101D5D-70E8-0A40-050A-712A9B073454}"/>
-              </a:ext>
-            </a:extLst>
-          </p:cNvPr>
-          <p:cNvSpPr>
-            <a:spLocks noGrp="1"/>
-          </p:cNvSpPr>
+          <a:bodyPr>
+            <a:normAutofit/>
+          </a:bodyPr>
+          <a:lstStyle/>
+          <a:p>
+            <a:pPr algn="ctr"/>
+            <a:r>
+              <a:rPr lang="ru-RU" sz="3200" dirty="0"/>
+              <a:t>Декомпозиция </a:t>
+            </a:r>
+            <a:r>
+              <a:rPr lang="en-US" sz="3200" dirty="0"/>
+              <a:t>AS-IS</a:t>
+            </a:r>
+            <a:r>
+              <a:rPr lang="ru-RU" sz="3200" dirty="0"/>
+              <a:t> нулевого уровня</a:t>
+            </a:r>
+          </a:p>
+        </p:txBody>
+      </p:sp>
+      <p:pic>
+        <p:nvPicPr>
+          <p:cNvPr id="8" name="Объект 7">
+            <a:extLst>
+              <a:ext uri="{FF2B5EF4-FFF2-40B4-BE49-F238E27FC236}">
+                <a16:creationId xmlns:a16="http://schemas.microsoft.com/office/drawing/2014/main" id="{C98032E5-847E-6039-A3D7-62BB556ADD66}"/>
+              </a:ext>
+            </a:extLst>
+          </p:cNvPr>
+          <p:cNvPicPr>
+            <a:picLocks noGrp="1" noChangeAspect="1"/>
+          </p:cNvPicPr>
           <p:nvPr>
             <p:ph idx="1"/>
           </p:nvPr>
-        </p:nvSpPr>
+        </p:nvPicPr>
+        <p:blipFill>
+          <a:blip r:embed="rId2"/>
+          <a:stretch>
+            <a:fillRect/>
+          </a:stretch>
+        </p:blipFill>
         <p:spPr>
           <a:xfrm>
-            <a:off x="838200" y="1054154"/>
-            <a:ext cx="10515600" cy="5346646"/>
+            <a:off x="419100" y="819910"/>
+            <a:ext cx="11353800" cy="6119572"/>
           </a:xfrm>
+          <a:prstGeom prst="rect">
+            <a:avLst/>
+          </a:prstGeom>
         </p:spPr>
-        <p:txBody>
-          <a:bodyPr>
-            <a:noAutofit/>
-          </a:bodyPr>
-          <a:lstStyle/>
-          <a:p>
-            <a:pPr marL="0" indent="0">
-              <a:buNone/>
-            </a:pPr>
-            <a:r>
-              <a:rPr lang="ru-RU" sz="2400" dirty="0">
-                <a:latin typeface="Calibri" panose="020F0502020204030204" pitchFamily="34" charset="0"/>
-                <a:cs typeface="Calibri" panose="020F0502020204030204" pitchFamily="34" charset="0"/>
-              </a:rPr>
-              <a:t> Цели внедрения ИС:</a:t>
-            </a:r>
-          </a:p>
-          <a:p>
-            <a:r>
-              <a:rPr lang="ru-RU" sz="2400" dirty="0">
-                <a:latin typeface="Calibri" panose="020F0502020204030204" pitchFamily="34" charset="0"/>
-                <a:cs typeface="Calibri" panose="020F0502020204030204" pitchFamily="34" charset="0"/>
-              </a:rPr>
-              <a:t>ускорение обработки запросов,</a:t>
-            </a:r>
-          </a:p>
-          <a:p>
-            <a:r>
-              <a:rPr lang="ru-RU" sz="2400" dirty="0">
-                <a:latin typeface="Calibri" panose="020F0502020204030204" pitchFamily="34" charset="0"/>
-                <a:cs typeface="Calibri" panose="020F0502020204030204" pitchFamily="34" charset="0"/>
-              </a:rPr>
-              <a:t>минимизация ошибок,</a:t>
-            </a:r>
-          </a:p>
-          <a:p>
-            <a:r>
-              <a:rPr lang="ru-RU" sz="2400" dirty="0">
-                <a:latin typeface="Calibri" panose="020F0502020204030204" pitchFamily="34" charset="0"/>
-                <a:cs typeface="Calibri" panose="020F0502020204030204" pitchFamily="34" charset="0"/>
-              </a:rPr>
-              <a:t>удобство работы с товаром,</a:t>
-            </a:r>
-          </a:p>
-          <a:p>
-            <a:r>
-              <a:rPr lang="ru-RU" sz="2400" dirty="0">
-                <a:latin typeface="Calibri" panose="020F0502020204030204" pitchFamily="34" charset="0"/>
-                <a:cs typeface="Calibri" panose="020F0502020204030204" pitchFamily="34" charset="0"/>
-              </a:rPr>
-              <a:t>мгновенное отображение информации,</a:t>
-            </a:r>
-          </a:p>
-          <a:p>
-            <a:r>
-              <a:rPr lang="ru-RU" sz="2400" dirty="0">
-                <a:latin typeface="Calibri" panose="020F0502020204030204" pitchFamily="34" charset="0"/>
-                <a:cs typeface="Calibri" panose="020F0502020204030204" pitchFamily="34" charset="0"/>
-              </a:rPr>
-              <a:t>автоматическая отчётность.</a:t>
-            </a:r>
-          </a:p>
-          <a:p>
-            <a:pPr marL="0" indent="0">
-              <a:buNone/>
-            </a:pPr>
-            <a:endParaRPr lang="ru-RU" sz="2400" dirty="0">
-              <a:latin typeface="Calibri" panose="020F0502020204030204" pitchFamily="34" charset="0"/>
-              <a:cs typeface="Calibri" panose="020F0502020204030204" pitchFamily="34" charset="0"/>
-            </a:endParaRPr>
-          </a:p>
-          <a:p>
-            <a:pPr marL="0" indent="0">
-              <a:buNone/>
-            </a:pPr>
-            <a:r>
-              <a:rPr lang="ru-RU" sz="2400" dirty="0">
-                <a:latin typeface="Calibri" panose="020F0502020204030204" pitchFamily="34" charset="0"/>
-                <a:cs typeface="Calibri" panose="020F0502020204030204" pitchFamily="34" charset="0"/>
-              </a:rPr>
-              <a:t>Экономический эффект автоматизации зависит от текущего объёма операций. Наибольший выигрыш достигается в точках с высокой нагрузкой.</a:t>
-            </a:r>
-          </a:p>
-        </p:txBody>
-      </p:sp>
+      </p:pic>
     </p:spTree>
     <p:extLst>
       <p:ext uri="{BB962C8B-B14F-4D97-AF65-F5344CB8AC3E}">
-        <p14:creationId xmlns:p14="http://schemas.microsoft.com/office/powerpoint/2010/main" val="1089402702"/>
+        <p14:creationId xmlns:p14="http://schemas.microsoft.com/office/powerpoint/2010/main" val="1374138205"/>
       </p:ext>
     </p:extLst>
   </p:cSld>
@@ -4362,7 +5262,7 @@
         <p:cNvPr id="1" name="">
           <a:extLst>
             <a:ext uri="{FF2B5EF4-FFF2-40B4-BE49-F238E27FC236}">
-              <a16:creationId xmlns:a16="http://schemas.microsoft.com/office/drawing/2014/main" id="{6C53002D-6569-152A-9FCE-8C6906E79AF9}"/>
+              <a16:creationId xmlns:a16="http://schemas.microsoft.com/office/drawing/2014/main" id="{42010B83-1975-6CF8-9C2E-20E511518FFD}"/>
             </a:ext>
           </a:extLst>
         </p:cNvPr>
@@ -4382,7 +5282,7 @@
           <p:cNvPr id="2" name="Заголовок 1">
             <a:extLst>
               <a:ext uri="{FF2B5EF4-FFF2-40B4-BE49-F238E27FC236}">
-                <a16:creationId xmlns:a16="http://schemas.microsoft.com/office/drawing/2014/main" id="{C226A988-B10A-F5BE-2DE3-8512AA9F8A22}"/>
+                <a16:creationId xmlns:a16="http://schemas.microsoft.com/office/drawing/2014/main" id="{43C43C47-0991-18BF-B867-3766D7C9C01F}"/>
               </a:ext>
             </a:extLst>
           </p:cNvPr>
@@ -4395,47 +5295,232 @@
         </p:nvSpPr>
         <p:spPr>
           <a:xfrm>
-            <a:off x="838200" y="-105655"/>
-            <a:ext cx="10515600" cy="1325563"/>
+            <a:off x="838200" y="-105654"/>
+            <a:ext cx="10515600" cy="743830"/>
           </a:xfrm>
         </p:spPr>
         <p:txBody>
-          <a:bodyPr/>
-          <a:lstStyle/>
-          <a:p>
-            <a:pPr marL="0" indent="0" algn="ctr">
-              <a:buNone/>
-            </a:pPr>
-            <a:r>
-              <a:rPr lang="ru-RU" sz="4400" dirty="0">
-                <a:latin typeface="Calibri" panose="020F0502020204030204" pitchFamily="34" charset="0"/>
-                <a:cs typeface="Calibri" panose="020F0502020204030204" pitchFamily="34" charset="0"/>
-              </a:rPr>
-              <a:t>Вывод</a:t>
-            </a:r>
-          </a:p>
-        </p:txBody>
-      </p:sp>
-      <p:sp>
-        <p:nvSpPr>
-          <p:cNvPr id="3" name="Объект 2">
-            <a:extLst>
-              <a:ext uri="{FF2B5EF4-FFF2-40B4-BE49-F238E27FC236}">
-                <a16:creationId xmlns:a16="http://schemas.microsoft.com/office/drawing/2014/main" id="{4381F85E-290C-A1D1-3566-97459BA2B4DD}"/>
-              </a:ext>
-            </a:extLst>
-          </p:cNvPr>
-          <p:cNvSpPr>
-            <a:spLocks noGrp="1"/>
-          </p:cNvSpPr>
+          <a:bodyPr>
+            <a:normAutofit/>
+          </a:bodyPr>
+          <a:lstStyle/>
+          <a:p>
+            <a:pPr algn="ctr"/>
+            <a:r>
+              <a:rPr lang="ru-RU" sz="3200" dirty="0"/>
+              <a:t>Декомпозиция </a:t>
+            </a:r>
+            <a:r>
+              <a:rPr lang="en-US" sz="3200" dirty="0"/>
+              <a:t>AS-IS</a:t>
+            </a:r>
+            <a:r>
+              <a:rPr lang="ru-RU" sz="3200" dirty="0"/>
+              <a:t> первого уровня</a:t>
+            </a:r>
+          </a:p>
+        </p:txBody>
+      </p:sp>
+      <p:pic>
+        <p:nvPicPr>
+          <p:cNvPr id="5" name="Объект 4">
+            <a:extLst>
+              <a:ext uri="{FF2B5EF4-FFF2-40B4-BE49-F238E27FC236}">
+                <a16:creationId xmlns:a16="http://schemas.microsoft.com/office/drawing/2014/main" id="{FE1BF1EC-77C8-5F9C-121B-C2192C4C9FEB}"/>
+              </a:ext>
+            </a:extLst>
+          </p:cNvPr>
+          <p:cNvPicPr>
+            <a:picLocks noGrp="1" noChangeAspect="1"/>
+          </p:cNvPicPr>
           <p:nvPr>
             <p:ph idx="1"/>
           </p:nvPr>
-        </p:nvSpPr>
+        </p:nvPicPr>
+        <p:blipFill>
+          <a:blip r:embed="rId2"/>
+          <a:stretch>
+            <a:fillRect/>
+          </a:stretch>
+        </p:blipFill>
         <p:spPr>
           <a:xfrm>
-            <a:off x="838200" y="1466660"/>
-            <a:ext cx="10515600" cy="4934139"/>
+            <a:off x="447675" y="644966"/>
+            <a:ext cx="11296650" cy="6247195"/>
+          </a:xfrm>
+          <a:prstGeom prst="rect">
+            <a:avLst/>
+          </a:prstGeom>
+        </p:spPr>
+      </p:pic>
+    </p:spTree>
+    <p:extLst>
+      <p:ext uri="{BB962C8B-B14F-4D97-AF65-F5344CB8AC3E}">
+        <p14:creationId xmlns:p14="http://schemas.microsoft.com/office/powerpoint/2010/main" val="1809300042"/>
+      </p:ext>
+    </p:extLst>
+  </p:cSld>
+  <p:clrMapOvr>
+    <a:masterClrMapping/>
+  </p:clrMapOvr>
+</p:sld>
+</file>
+
+<file path=ppt/slides/slide7.xml><?xml version="1.0" encoding="utf-8"?>
+<p:sld xmlns:a="http://schemas.openxmlformats.org/drawingml/2006/main" xmlns:r="http://schemas.openxmlformats.org/officeDocument/2006/relationships" xmlns:p="http://schemas.openxmlformats.org/presentationml/2006/main">
+  <p:cSld>
+    <p:spTree>
+      <p:nvGrpSpPr>
+        <p:cNvPr id="1" name="">
+          <a:extLst>
+            <a:ext uri="{FF2B5EF4-FFF2-40B4-BE49-F238E27FC236}">
+              <a16:creationId xmlns:a16="http://schemas.microsoft.com/office/drawing/2014/main" id="{222E6F9A-0994-CED0-C19B-6B0EC178D961}"/>
+            </a:ext>
+          </a:extLst>
+        </p:cNvPr>
+        <p:cNvGrpSpPr/>
+        <p:nvPr/>
+      </p:nvGrpSpPr>
+      <p:grpSpPr>
+        <a:xfrm>
+          <a:off x="0" y="0"/>
+          <a:ext cx="0" cy="0"/>
+          <a:chOff x="0" y="0"/>
+          <a:chExt cx="0" cy="0"/>
+        </a:xfrm>
+      </p:grpSpPr>
+      <p:sp>
+        <p:nvSpPr>
+          <p:cNvPr id="2" name="Заголовок 1">
+            <a:extLst>
+              <a:ext uri="{FF2B5EF4-FFF2-40B4-BE49-F238E27FC236}">
+                <a16:creationId xmlns:a16="http://schemas.microsoft.com/office/drawing/2014/main" id="{F22B0CEE-E41E-3696-24B4-7AE01F6A3156}"/>
+              </a:ext>
+            </a:extLst>
+          </p:cNvPr>
+          <p:cNvSpPr>
+            <a:spLocks noGrp="1"/>
+          </p:cNvSpPr>
+          <p:nvPr>
+            <p:ph type="title"/>
+          </p:nvPr>
+        </p:nvSpPr>
+        <p:spPr>
+          <a:xfrm>
+            <a:off x="0" y="-105654"/>
+            <a:ext cx="12192000" cy="743830"/>
+          </a:xfrm>
+        </p:spPr>
+        <p:txBody>
+          <a:bodyPr>
+            <a:normAutofit/>
+          </a:bodyPr>
+          <a:lstStyle/>
+          <a:p>
+            <a:pPr algn="ctr"/>
+            <a:r>
+              <a:rPr lang="ru-RU" sz="3200" dirty="0"/>
+              <a:t>Декомпозиция </a:t>
+            </a:r>
+            <a:r>
+              <a:rPr lang="en-US" sz="3200" dirty="0"/>
+              <a:t>AS-IS</a:t>
+            </a:r>
+            <a:r>
+              <a:rPr lang="ru-RU" sz="3200" dirty="0"/>
+              <a:t> второго уровня - управление поставками товара</a:t>
+            </a:r>
+          </a:p>
+        </p:txBody>
+      </p:sp>
+      <p:pic>
+        <p:nvPicPr>
+          <p:cNvPr id="6" name="Объект 5">
+            <a:extLst>
+              <a:ext uri="{FF2B5EF4-FFF2-40B4-BE49-F238E27FC236}">
+                <a16:creationId xmlns:a16="http://schemas.microsoft.com/office/drawing/2014/main" id="{F918F1A7-8868-8FE3-9F99-3E9837C5D6FB}"/>
+              </a:ext>
+            </a:extLst>
+          </p:cNvPr>
+          <p:cNvPicPr>
+            <a:picLocks noGrp="1" noChangeAspect="1"/>
+          </p:cNvPicPr>
+          <p:nvPr>
+            <p:ph idx="1"/>
+          </p:nvPr>
+        </p:nvPicPr>
+        <p:blipFill>
+          <a:blip r:embed="rId2"/>
+          <a:stretch>
+            <a:fillRect/>
+          </a:stretch>
+        </p:blipFill>
+        <p:spPr>
+          <a:xfrm>
+            <a:off x="465604" y="638176"/>
+            <a:ext cx="11439874" cy="6219824"/>
+          </a:xfrm>
+          <a:prstGeom prst="rect">
+            <a:avLst/>
+          </a:prstGeom>
+        </p:spPr>
+      </p:pic>
+    </p:spTree>
+    <p:extLst>
+      <p:ext uri="{BB962C8B-B14F-4D97-AF65-F5344CB8AC3E}">
+        <p14:creationId xmlns:p14="http://schemas.microsoft.com/office/powerpoint/2010/main" val="555109856"/>
+      </p:ext>
+    </p:extLst>
+  </p:cSld>
+  <p:clrMapOvr>
+    <a:masterClrMapping/>
+  </p:clrMapOvr>
+</p:sld>
+</file>
+
+<file path=ppt/slides/slide8.xml><?xml version="1.0" encoding="utf-8"?>
+<p:sld xmlns:a="http://schemas.openxmlformats.org/drawingml/2006/main" xmlns:r="http://schemas.openxmlformats.org/officeDocument/2006/relationships" xmlns:p="http://schemas.openxmlformats.org/presentationml/2006/main">
+  <p:cSld>
+    <p:spTree>
+      <p:nvGrpSpPr>
+        <p:cNvPr id="1" name="">
+          <a:extLst>
+            <a:ext uri="{FF2B5EF4-FFF2-40B4-BE49-F238E27FC236}">
+              <a16:creationId xmlns:a16="http://schemas.microsoft.com/office/drawing/2014/main" id="{3FABAB99-58CD-4E5B-9F8B-EFB433DD6DE0}"/>
+            </a:ext>
+          </a:extLst>
+        </p:cNvPr>
+        <p:cNvGrpSpPr/>
+        <p:nvPr/>
+      </p:nvGrpSpPr>
+      <p:grpSpPr>
+        <a:xfrm>
+          <a:off x="0" y="0"/>
+          <a:ext cx="0" cy="0"/>
+          <a:chOff x="0" y="0"/>
+          <a:chExt cx="0" cy="0"/>
+        </a:xfrm>
+      </p:grpSpPr>
+      <p:sp>
+        <p:nvSpPr>
+          <p:cNvPr id="2" name="Заголовок 1">
+            <a:extLst>
+              <a:ext uri="{FF2B5EF4-FFF2-40B4-BE49-F238E27FC236}">
+                <a16:creationId xmlns:a16="http://schemas.microsoft.com/office/drawing/2014/main" id="{408EA885-F804-582A-A6D7-569C8C0C5E2D}"/>
+              </a:ext>
+            </a:extLst>
+          </p:cNvPr>
+          <p:cNvSpPr>
+            <a:spLocks noGrp="1"/>
+          </p:cNvSpPr>
+          <p:nvPr>
+            <p:ph type="title"/>
+          </p:nvPr>
+        </p:nvSpPr>
+        <p:spPr>
+          <a:xfrm>
+            <a:off x="0" y="120683"/>
+            <a:ext cx="12192000" cy="743830"/>
           </a:xfrm>
         </p:spPr>
         <p:txBody>
@@ -4444,23 +5529,170 @@
           </a:bodyPr>
           <a:lstStyle/>
           <a:p>
-            <a:pPr marL="0" indent="0">
-              <a:buNone/>
-            </a:pPr>
-            <a:r>
-              <a:rPr lang="ru-RU" sz="2400" dirty="0">
-                <a:latin typeface="Calibri" panose="020F0502020204030204" pitchFamily="34" charset="0"/>
-                <a:cs typeface="Calibri" panose="020F0502020204030204" pitchFamily="34" charset="0"/>
-              </a:rPr>
-              <a:t>Даже при отсутствии прямой прибыли внедрение ИС приносит организационные улучшения. Внедрение ИС целесообразно как с точки зрения краткосрочной экономии, так и для долгосрочного роста эффективности бизнеса.</a:t>
-            </a:r>
-          </a:p>
-        </p:txBody>
-      </p:sp>
+            <a:pPr algn="ctr"/>
+            <a:r>
+              <a:rPr lang="ru-RU" sz="3200" dirty="0"/>
+              <a:t>Декомпозиция </a:t>
+            </a:r>
+            <a:r>
+              <a:rPr lang="en-US" sz="3200" dirty="0"/>
+              <a:t>AS-IS</a:t>
+            </a:r>
+            <a:r>
+              <a:rPr lang="ru-RU" sz="3200" dirty="0"/>
+              <a:t> второго уровня - добавление приобретаемых клиентом товаров в специальный список</a:t>
+            </a:r>
+          </a:p>
+        </p:txBody>
+      </p:sp>
+      <p:pic>
+        <p:nvPicPr>
+          <p:cNvPr id="5" name="Объект 4">
+            <a:extLst>
+              <a:ext uri="{FF2B5EF4-FFF2-40B4-BE49-F238E27FC236}">
+                <a16:creationId xmlns:a16="http://schemas.microsoft.com/office/drawing/2014/main" id="{AB370365-3EA3-CAB3-073E-C3061E1E40FD}"/>
+              </a:ext>
+            </a:extLst>
+          </p:cNvPr>
+          <p:cNvPicPr>
+            <a:picLocks noGrp="1" noChangeAspect="1"/>
+          </p:cNvPicPr>
+          <p:nvPr>
+            <p:ph idx="1"/>
+          </p:nvPr>
+        </p:nvPicPr>
+        <p:blipFill>
+          <a:blip r:embed="rId2"/>
+          <a:stretch>
+            <a:fillRect/>
+          </a:stretch>
+        </p:blipFill>
+        <p:spPr>
+          <a:xfrm>
+            <a:off x="626952" y="967166"/>
+            <a:ext cx="10938095" cy="5977698"/>
+          </a:xfrm>
+          <a:prstGeom prst="rect">
+            <a:avLst/>
+          </a:prstGeom>
+        </p:spPr>
+      </p:pic>
     </p:spTree>
     <p:extLst>
       <p:ext uri="{BB962C8B-B14F-4D97-AF65-F5344CB8AC3E}">
-        <p14:creationId xmlns:p14="http://schemas.microsoft.com/office/powerpoint/2010/main" val="2636440411"/>
+        <p14:creationId xmlns:p14="http://schemas.microsoft.com/office/powerpoint/2010/main" val="4134087982"/>
+      </p:ext>
+    </p:extLst>
+  </p:cSld>
+  <p:clrMapOvr>
+    <a:masterClrMapping/>
+  </p:clrMapOvr>
+</p:sld>
+</file>
+
+<file path=ppt/slides/slide9.xml><?xml version="1.0" encoding="utf-8"?>
+<p:sld xmlns:a="http://schemas.openxmlformats.org/drawingml/2006/main" xmlns:r="http://schemas.openxmlformats.org/officeDocument/2006/relationships" xmlns:p="http://schemas.openxmlformats.org/presentationml/2006/main">
+  <p:cSld>
+    <p:spTree>
+      <p:nvGrpSpPr>
+        <p:cNvPr id="1" name="">
+          <a:extLst>
+            <a:ext uri="{FF2B5EF4-FFF2-40B4-BE49-F238E27FC236}">
+              <a16:creationId xmlns:a16="http://schemas.microsoft.com/office/drawing/2014/main" id="{66EB3BBE-CFBE-1350-7992-ADC5FAB25E3A}"/>
+            </a:ext>
+          </a:extLst>
+        </p:cNvPr>
+        <p:cNvGrpSpPr/>
+        <p:nvPr/>
+      </p:nvGrpSpPr>
+      <p:grpSpPr>
+        <a:xfrm>
+          <a:off x="0" y="0"/>
+          <a:ext cx="0" cy="0"/>
+          <a:chOff x="0" y="0"/>
+          <a:chExt cx="0" cy="0"/>
+        </a:xfrm>
+      </p:grpSpPr>
+      <p:sp>
+        <p:nvSpPr>
+          <p:cNvPr id="2" name="Заголовок 1">
+            <a:extLst>
+              <a:ext uri="{FF2B5EF4-FFF2-40B4-BE49-F238E27FC236}">
+                <a16:creationId xmlns:a16="http://schemas.microsoft.com/office/drawing/2014/main" id="{C86E03CB-35F7-E336-1279-96B4BE57F574}"/>
+              </a:ext>
+            </a:extLst>
+          </p:cNvPr>
+          <p:cNvSpPr>
+            <a:spLocks noGrp="1"/>
+          </p:cNvSpPr>
+          <p:nvPr>
+            <p:ph type="title"/>
+          </p:nvPr>
+        </p:nvSpPr>
+        <p:spPr>
+          <a:xfrm>
+            <a:off x="0" y="120683"/>
+            <a:ext cx="12192000" cy="743830"/>
+          </a:xfrm>
+        </p:spPr>
+        <p:txBody>
+          <a:bodyPr>
+            <a:noAutofit/>
+          </a:bodyPr>
+          <a:lstStyle/>
+          <a:p>
+            <a:pPr algn="ctr"/>
+            <a:r>
+              <a:rPr lang="ru-RU" sz="3200" dirty="0"/>
+              <a:t>Декомпозиция </a:t>
+            </a:r>
+            <a:r>
+              <a:rPr lang="en-US" sz="3200" dirty="0"/>
+              <a:t>AS-IS</a:t>
+            </a:r>
+            <a:r>
+              <a:rPr lang="ru-RU" sz="3200" dirty="0"/>
+              <a:t> второго уровня - оформление продажи</a:t>
+            </a:r>
+          </a:p>
+        </p:txBody>
+      </p:sp>
+      <p:pic>
+        <p:nvPicPr>
+          <p:cNvPr id="7" name="Объект 6">
+            <a:extLst>
+              <a:ext uri="{FF2B5EF4-FFF2-40B4-BE49-F238E27FC236}">
+                <a16:creationId xmlns:a16="http://schemas.microsoft.com/office/drawing/2014/main" id="{89AB1696-6A0B-2F75-3C8E-7CECB4E08C7C}"/>
+              </a:ext>
+            </a:extLst>
+          </p:cNvPr>
+          <p:cNvPicPr>
+            <a:picLocks noGrp="1" noChangeAspect="1"/>
+          </p:cNvPicPr>
+          <p:nvPr>
+            <p:ph idx="1"/>
+          </p:nvPr>
+        </p:nvPicPr>
+        <p:blipFill>
+          <a:blip r:embed="rId2"/>
+          <a:stretch>
+            <a:fillRect/>
+          </a:stretch>
+        </p:blipFill>
+        <p:spPr>
+          <a:xfrm>
+            <a:off x="621954" y="979550"/>
+            <a:ext cx="10948091" cy="5878450"/>
+          </a:xfrm>
+          <a:prstGeom prst="rect">
+            <a:avLst/>
+          </a:prstGeom>
+        </p:spPr>
+      </p:pic>
+    </p:spTree>
+    <p:extLst>
+      <p:ext uri="{BB962C8B-B14F-4D97-AF65-F5344CB8AC3E}">
+        <p14:creationId xmlns:p14="http://schemas.microsoft.com/office/powerpoint/2010/main" val="3330393763"/>
       </p:ext>
     </p:extLst>
   </p:cSld>
